--- a/Apresentação.pptx
+++ b/Apresentação.pptx
@@ -15949,7 +15949,7 @@
         </p:nvGrpSpPr>
         <p:grpSpPr>
           <a:xfrm>
-            <a:off x="7406494" y="2729231"/>
+            <a:off x="7537122" y="2918598"/>
             <a:ext cx="378215" cy="598023"/>
             <a:chOff x="1654675" y="1997765"/>
             <a:chExt cx="445587" cy="704551"/>
@@ -20606,8 +20606,8 @@
         </p:nvSpPr>
         <p:spPr>
           <a:xfrm>
-            <a:off x="715100" y="2302326"/>
-            <a:ext cx="4661100" cy="1290000"/>
+            <a:off x="715099" y="2302326"/>
+            <a:ext cx="4962219" cy="1735962"/>
           </a:xfrm>
           <a:prstGeom prst="rect">
             <a:avLst/>
@@ -20872,7 +20872,7 @@
             <a:pPr marL="0" indent="0"/>
             <a:r>
               <a:rPr lang="en" dirty="0"/>
-              <a:t>É um polinômio interpolador para um dado conjunto de pontos. Os coeficiente do polinômio são calculados através de diferenças divididas</a:t>
+              <a:t>Construindo uma aproximação sucessivas para a função f(x) através do método. Obtendo um polimonio interpolador de um determinado grau.</a:t>
             </a:r>
           </a:p>
         </p:txBody>
@@ -26142,36 +26142,1121 @@
           </a:p>
         </p:txBody>
       </p:sp>
-      <p:pic>
-        <p:nvPicPr>
-          <p:cNvPr id="3" name="Imagem 2">
-            <a:extLst>
-              <a:ext uri="{FF2B5EF4-FFF2-40B4-BE49-F238E27FC236}">
-                <a16:creationId xmlns:a16="http://schemas.microsoft.com/office/drawing/2014/main" id="{E08BBECA-37BD-BB20-BD67-B682DDE6A8F8}"/>
-              </a:ext>
-            </a:extLst>
-          </p:cNvPr>
-          <p:cNvPicPr>
-            <a:picLocks noChangeAspect="1"/>
-          </p:cNvPicPr>
-          <p:nvPr/>
-        </p:nvPicPr>
-        <p:blipFill>
-          <a:blip r:embed="rId3"/>
-          <a:stretch>
-            <a:fillRect/>
-          </a:stretch>
-        </p:blipFill>
-        <p:spPr>
-          <a:xfrm>
-            <a:off x="2133127" y="1189989"/>
-            <a:ext cx="4327963" cy="1398937"/>
-          </a:xfrm>
-          <a:prstGeom prst="rect">
-            <a:avLst/>
-          </a:prstGeom>
-        </p:spPr>
-      </p:pic>
+      <mc:AlternateContent xmlns:mc="http://schemas.openxmlformats.org/markup-compatibility/2006">
+        <mc:Choice xmlns:a14="http://schemas.microsoft.com/office/drawing/2010/main" Requires="a14">
+          <p:sp>
+            <p:nvSpPr>
+              <p:cNvPr id="27" name="Google Shape;745;p39">
+                <a:extLst>
+                  <a:ext uri="{FF2B5EF4-FFF2-40B4-BE49-F238E27FC236}">
+                    <a16:creationId xmlns:a16="http://schemas.microsoft.com/office/drawing/2014/main" id="{24B9A24A-2FA2-E1F5-6885-8D86DA2E95BB}"/>
+                  </a:ext>
+                </a:extLst>
+              </p:cNvPr>
+              <p:cNvSpPr txBox="1">
+                <a:spLocks/>
+              </p:cNvSpPr>
+              <p:nvPr/>
+            </p:nvSpPr>
+            <p:spPr>
+              <a:xfrm>
+                <a:off x="858195" y="1611896"/>
+                <a:ext cx="7777228" cy="1192733"/>
+              </a:xfrm>
+              <a:prstGeom prst="rect">
+                <a:avLst/>
+              </a:prstGeom>
+              <a:noFill/>
+              <a:ln>
+                <a:noFill/>
+              </a:ln>
+            </p:spPr>
+            <p:txBody>
+              <a:bodyPr spcFirstLastPara="1" wrap="square" lIns="91425" tIns="91425" rIns="91425" bIns="91425" anchor="ctr" anchorCtr="0">
+                <a:noAutofit/>
+              </a:bodyPr>
+              <a:lstStyle>
+                <a:defPPr marR="0" lvl="0" algn="l" rtl="0">
+                  <a:lnSpc>
+                    <a:spcPct val="100000"/>
+                  </a:lnSpc>
+                  <a:spcBef>
+                    <a:spcPts val="0"/>
+                  </a:spcBef>
+                  <a:spcAft>
+                    <a:spcPts val="0"/>
+                  </a:spcAft>
+                </a:defPPr>
+                <a:lvl1pPr marL="457200" marR="0" lvl="0" indent="-317500" algn="l" rtl="0">
+                  <a:lnSpc>
+                    <a:spcPct val="100000"/>
+                  </a:lnSpc>
+                  <a:spcBef>
+                    <a:spcPts val="0"/>
+                  </a:spcBef>
+                  <a:spcAft>
+                    <a:spcPts val="0"/>
+                  </a:spcAft>
+                  <a:buClr>
+                    <a:schemeClr val="dk1"/>
+                  </a:buClr>
+                  <a:buSzPts val="1400"/>
+                  <a:buFont typeface="Fira Code"/>
+                  <a:buNone/>
+                  <a:defRPr sz="1800" b="0" i="0" u="none" strike="noStrike" cap="none">
+                    <a:solidFill>
+                      <a:schemeClr val="dk1"/>
+                    </a:solidFill>
+                    <a:latin typeface="Fira Code"/>
+                    <a:ea typeface="Fira Code"/>
+                    <a:cs typeface="Fira Code"/>
+                    <a:sym typeface="Fira Code"/>
+                  </a:defRPr>
+                </a:lvl1pPr>
+                <a:lvl2pPr marL="914400" marR="0" lvl="1" indent="-317500" algn="ctr" rtl="0">
+                  <a:lnSpc>
+                    <a:spcPct val="100000"/>
+                  </a:lnSpc>
+                  <a:spcBef>
+                    <a:spcPts val="0"/>
+                  </a:spcBef>
+                  <a:spcAft>
+                    <a:spcPts val="0"/>
+                  </a:spcAft>
+                  <a:buClr>
+                    <a:schemeClr val="dk1"/>
+                  </a:buClr>
+                  <a:buSzPts val="1400"/>
+                  <a:buFont typeface="Fira Code"/>
+                  <a:buNone/>
+                  <a:defRPr sz="1400" b="0" i="0" u="none" strike="noStrike" cap="none">
+                    <a:solidFill>
+                      <a:schemeClr val="dk1"/>
+                    </a:solidFill>
+                    <a:latin typeface="Fira Code"/>
+                    <a:ea typeface="Fira Code"/>
+                    <a:cs typeface="Fira Code"/>
+                    <a:sym typeface="Fira Code"/>
+                  </a:defRPr>
+                </a:lvl2pPr>
+                <a:lvl3pPr marL="1371600" marR="0" lvl="2" indent="-317500" algn="ctr" rtl="0">
+                  <a:lnSpc>
+                    <a:spcPct val="100000"/>
+                  </a:lnSpc>
+                  <a:spcBef>
+                    <a:spcPts val="1600"/>
+                  </a:spcBef>
+                  <a:spcAft>
+                    <a:spcPts val="0"/>
+                  </a:spcAft>
+                  <a:buClr>
+                    <a:schemeClr val="dk1"/>
+                  </a:buClr>
+                  <a:buSzPts val="1400"/>
+                  <a:buFont typeface="Fira Code"/>
+                  <a:buNone/>
+                  <a:defRPr sz="1400" b="0" i="0" u="none" strike="noStrike" cap="none">
+                    <a:solidFill>
+                      <a:schemeClr val="dk1"/>
+                    </a:solidFill>
+                    <a:latin typeface="Fira Code"/>
+                    <a:ea typeface="Fira Code"/>
+                    <a:cs typeface="Fira Code"/>
+                    <a:sym typeface="Fira Code"/>
+                  </a:defRPr>
+                </a:lvl3pPr>
+                <a:lvl4pPr marL="1828800" marR="0" lvl="3" indent="-317500" algn="ctr" rtl="0">
+                  <a:lnSpc>
+                    <a:spcPct val="100000"/>
+                  </a:lnSpc>
+                  <a:spcBef>
+                    <a:spcPts val="1600"/>
+                  </a:spcBef>
+                  <a:spcAft>
+                    <a:spcPts val="0"/>
+                  </a:spcAft>
+                  <a:buClr>
+                    <a:schemeClr val="dk1"/>
+                  </a:buClr>
+                  <a:buSzPts val="1400"/>
+                  <a:buFont typeface="Fira Code"/>
+                  <a:buNone/>
+                  <a:defRPr sz="1400" b="0" i="0" u="none" strike="noStrike" cap="none">
+                    <a:solidFill>
+                      <a:schemeClr val="dk1"/>
+                    </a:solidFill>
+                    <a:latin typeface="Fira Code"/>
+                    <a:ea typeface="Fira Code"/>
+                    <a:cs typeface="Fira Code"/>
+                    <a:sym typeface="Fira Code"/>
+                  </a:defRPr>
+                </a:lvl4pPr>
+                <a:lvl5pPr marL="2286000" marR="0" lvl="4" indent="-317500" algn="ctr" rtl="0">
+                  <a:lnSpc>
+                    <a:spcPct val="100000"/>
+                  </a:lnSpc>
+                  <a:spcBef>
+                    <a:spcPts val="1600"/>
+                  </a:spcBef>
+                  <a:spcAft>
+                    <a:spcPts val="0"/>
+                  </a:spcAft>
+                  <a:buClr>
+                    <a:schemeClr val="dk1"/>
+                  </a:buClr>
+                  <a:buSzPts val="1400"/>
+                  <a:buFont typeface="Fira Code"/>
+                  <a:buNone/>
+                  <a:defRPr sz="1400" b="0" i="0" u="none" strike="noStrike" cap="none">
+                    <a:solidFill>
+                      <a:schemeClr val="dk1"/>
+                    </a:solidFill>
+                    <a:latin typeface="Fira Code"/>
+                    <a:ea typeface="Fira Code"/>
+                    <a:cs typeface="Fira Code"/>
+                    <a:sym typeface="Fira Code"/>
+                  </a:defRPr>
+                </a:lvl5pPr>
+                <a:lvl6pPr marL="2743200" marR="0" lvl="5" indent="-317500" algn="ctr" rtl="0">
+                  <a:lnSpc>
+                    <a:spcPct val="100000"/>
+                  </a:lnSpc>
+                  <a:spcBef>
+                    <a:spcPts val="1600"/>
+                  </a:spcBef>
+                  <a:spcAft>
+                    <a:spcPts val="0"/>
+                  </a:spcAft>
+                  <a:buClr>
+                    <a:schemeClr val="dk1"/>
+                  </a:buClr>
+                  <a:buSzPts val="1400"/>
+                  <a:buFont typeface="Fira Code"/>
+                  <a:buNone/>
+                  <a:defRPr sz="1400" b="0" i="0" u="none" strike="noStrike" cap="none">
+                    <a:solidFill>
+                      <a:schemeClr val="dk1"/>
+                    </a:solidFill>
+                    <a:latin typeface="Fira Code"/>
+                    <a:ea typeface="Fira Code"/>
+                    <a:cs typeface="Fira Code"/>
+                    <a:sym typeface="Fira Code"/>
+                  </a:defRPr>
+                </a:lvl6pPr>
+                <a:lvl7pPr marL="3200400" marR="0" lvl="6" indent="-317500" algn="ctr" rtl="0">
+                  <a:lnSpc>
+                    <a:spcPct val="100000"/>
+                  </a:lnSpc>
+                  <a:spcBef>
+                    <a:spcPts val="1600"/>
+                  </a:spcBef>
+                  <a:spcAft>
+                    <a:spcPts val="0"/>
+                  </a:spcAft>
+                  <a:buClr>
+                    <a:schemeClr val="dk1"/>
+                  </a:buClr>
+                  <a:buSzPts val="1400"/>
+                  <a:buFont typeface="Fira Code"/>
+                  <a:buNone/>
+                  <a:defRPr sz="1400" b="0" i="0" u="none" strike="noStrike" cap="none">
+                    <a:solidFill>
+                      <a:schemeClr val="dk1"/>
+                    </a:solidFill>
+                    <a:latin typeface="Fira Code"/>
+                    <a:ea typeface="Fira Code"/>
+                    <a:cs typeface="Fira Code"/>
+                    <a:sym typeface="Fira Code"/>
+                  </a:defRPr>
+                </a:lvl7pPr>
+                <a:lvl8pPr marL="3657600" marR="0" lvl="7" indent="-317500" algn="ctr" rtl="0">
+                  <a:lnSpc>
+                    <a:spcPct val="100000"/>
+                  </a:lnSpc>
+                  <a:spcBef>
+                    <a:spcPts val="1600"/>
+                  </a:spcBef>
+                  <a:spcAft>
+                    <a:spcPts val="0"/>
+                  </a:spcAft>
+                  <a:buClr>
+                    <a:schemeClr val="dk1"/>
+                  </a:buClr>
+                  <a:buSzPts val="1400"/>
+                  <a:buFont typeface="Fira Code"/>
+                  <a:buNone/>
+                  <a:defRPr sz="1400" b="0" i="0" u="none" strike="noStrike" cap="none">
+                    <a:solidFill>
+                      <a:schemeClr val="dk1"/>
+                    </a:solidFill>
+                    <a:latin typeface="Fira Code"/>
+                    <a:ea typeface="Fira Code"/>
+                    <a:cs typeface="Fira Code"/>
+                    <a:sym typeface="Fira Code"/>
+                  </a:defRPr>
+                </a:lvl8pPr>
+                <a:lvl9pPr marL="4114800" marR="0" lvl="8" indent="-317500" algn="ctr" rtl="0">
+                  <a:lnSpc>
+                    <a:spcPct val="100000"/>
+                  </a:lnSpc>
+                  <a:spcBef>
+                    <a:spcPts val="1600"/>
+                  </a:spcBef>
+                  <a:spcAft>
+                    <a:spcPts val="1600"/>
+                  </a:spcAft>
+                  <a:buClr>
+                    <a:schemeClr val="dk1"/>
+                  </a:buClr>
+                  <a:buSzPts val="1400"/>
+                  <a:buFont typeface="Fira Code"/>
+                  <a:buNone/>
+                  <a:defRPr sz="1400" b="0" i="0" u="none" strike="noStrike" cap="none">
+                    <a:solidFill>
+                      <a:schemeClr val="dk1"/>
+                    </a:solidFill>
+                    <a:latin typeface="Fira Code"/>
+                    <a:ea typeface="Fira Code"/>
+                    <a:cs typeface="Fira Code"/>
+                    <a:sym typeface="Fira Code"/>
+                  </a:defRPr>
+                </a:lvl9pPr>
+              </a:lstStyle>
+              <a:p>
+                <a:pPr marL="0" indent="0" algn="ctr"/>
+                <a14:m>
+                  <m:oMath xmlns:m="http://schemas.openxmlformats.org/officeDocument/2006/math">
+                    <m:r>
+                      <a:rPr lang="pt-PT" sz="1100" b="0" i="1" smtClean="0">
+                        <a:latin typeface="Cambria Math" panose="02040503050406030204" pitchFamily="18" charset="0"/>
+                      </a:rPr>
+                      <m:t>𝑜𝑛𝑑𝑒</m:t>
+                    </m:r>
+                    <m:r>
+                      <a:rPr lang="pt-PT" sz="1100" b="0" i="1" smtClean="0">
+                        <a:latin typeface="Cambria Math" panose="02040503050406030204" pitchFamily="18" charset="0"/>
+                      </a:rPr>
+                      <m:t> </m:t>
+                    </m:r>
+                    <m:sSub>
+                      <m:sSubPr>
+                        <m:ctrlPr>
+                          <a:rPr lang="pt-PT" sz="1100" i="1">
+                            <a:latin typeface="Cambria Math" panose="02040503050406030204" pitchFamily="18" charset="0"/>
+                          </a:rPr>
+                        </m:ctrlPr>
+                      </m:sSubPr>
+                      <m:e>
+                        <m:r>
+                          <a:rPr lang="pt-PT" sz="1100" i="1">
+                            <a:latin typeface="Cambria Math" panose="02040503050406030204" pitchFamily="18" charset="0"/>
+                          </a:rPr>
+                          <m:t>𝐶</m:t>
+                        </m:r>
+                      </m:e>
+                      <m:sub>
+                        <m:r>
+                          <a:rPr lang="pt-PT" sz="1100" i="1">
+                            <a:latin typeface="Cambria Math" panose="02040503050406030204" pitchFamily="18" charset="0"/>
+                          </a:rPr>
+                          <m:t>0</m:t>
+                        </m:r>
+                      </m:sub>
+                    </m:sSub>
+                  </m:oMath>
+                </a14:m>
+                <a:r>
+                  <a:rPr lang="pt-PT" sz="1100" dirty="0"/>
+                  <a:t>, </a:t>
+                </a:r>
+                <a14:m>
+                  <m:oMath xmlns:m="http://schemas.openxmlformats.org/officeDocument/2006/math">
+                    <m:sSub>
+                      <m:sSubPr>
+                        <m:ctrlPr>
+                          <a:rPr lang="pt-PT" sz="1100" i="1">
+                            <a:latin typeface="Cambria Math" panose="02040503050406030204" pitchFamily="18" charset="0"/>
+                          </a:rPr>
+                        </m:ctrlPr>
+                      </m:sSubPr>
+                      <m:e>
+                        <m:r>
+                          <a:rPr lang="pt-PT" sz="1100" i="1">
+                            <a:latin typeface="Cambria Math" panose="02040503050406030204" pitchFamily="18" charset="0"/>
+                          </a:rPr>
+                          <m:t>𝐶</m:t>
+                        </m:r>
+                      </m:e>
+                      <m:sub>
+                        <m:r>
+                          <a:rPr lang="pt-PT" sz="1100" b="0" i="1" smtClean="0">
+                            <a:latin typeface="Cambria Math" panose="02040503050406030204" pitchFamily="18" charset="0"/>
+                          </a:rPr>
+                          <m:t>1</m:t>
+                        </m:r>
+                      </m:sub>
+                    </m:sSub>
+                  </m:oMath>
+                </a14:m>
+                <a:r>
+                  <a:rPr lang="pt-PT" sz="1100" dirty="0"/>
+                  <a:t>,…, </a:t>
+                </a:r>
+                <a14:m>
+                  <m:oMath xmlns:m="http://schemas.openxmlformats.org/officeDocument/2006/math">
+                    <m:sSub>
+                      <m:sSubPr>
+                        <m:ctrlPr>
+                          <a:rPr lang="pt-PT" sz="1100" i="1">
+                            <a:latin typeface="Cambria Math" panose="02040503050406030204" pitchFamily="18" charset="0"/>
+                          </a:rPr>
+                        </m:ctrlPr>
+                      </m:sSubPr>
+                      <m:e>
+                        <m:r>
+                          <a:rPr lang="pt-PT" sz="1100" i="1">
+                            <a:latin typeface="Cambria Math" panose="02040503050406030204" pitchFamily="18" charset="0"/>
+                          </a:rPr>
+                          <m:t>𝐶</m:t>
+                        </m:r>
+                      </m:e>
+                      <m:sub>
+                        <m:r>
+                          <a:rPr lang="pt-PT" sz="1100" b="0" i="1" smtClean="0">
+                            <a:latin typeface="Cambria Math" panose="02040503050406030204" pitchFamily="18" charset="0"/>
+                          </a:rPr>
+                          <m:t>𝑛</m:t>
+                        </m:r>
+                      </m:sub>
+                    </m:sSub>
+                  </m:oMath>
+                </a14:m>
+                <a:r>
+                  <a:rPr lang="pt-PT" sz="1100" dirty="0"/>
+                  <a:t> são os coeficiente obtidos nas diferenças divididas</a:t>
+                </a:r>
+              </a:p>
+            </p:txBody>
+          </p:sp>
+        </mc:Choice>
+        <mc:Fallback>
+          <p:sp>
+            <p:nvSpPr>
+              <p:cNvPr id="27" name="Google Shape;745;p39">
+                <a:extLst>
+                  <a:ext uri="{FF2B5EF4-FFF2-40B4-BE49-F238E27FC236}">
+                    <a16:creationId xmlns:a16="http://schemas.microsoft.com/office/drawing/2014/main" id="{24B9A24A-2FA2-E1F5-6885-8D86DA2E95BB}"/>
+                  </a:ext>
+                </a:extLst>
+              </p:cNvPr>
+              <p:cNvSpPr txBox="1">
+                <a:spLocks noRot="1" noChangeAspect="1" noMove="1" noResize="1" noEditPoints="1" noAdjustHandles="1" noChangeArrowheads="1" noChangeShapeType="1" noTextEdit="1"/>
+              </p:cNvSpPr>
+              <p:nvPr/>
+            </p:nvSpPr>
+            <p:spPr>
+              <a:xfrm>
+                <a:off x="858195" y="1611896"/>
+                <a:ext cx="7777228" cy="1192733"/>
+              </a:xfrm>
+              <a:prstGeom prst="rect">
+                <a:avLst/>
+              </a:prstGeom>
+              <a:blipFill>
+                <a:blip r:embed="rId3"/>
+                <a:stretch>
+                  <a:fillRect/>
+                </a:stretch>
+              </a:blipFill>
+              <a:ln>
+                <a:noFill/>
+              </a:ln>
+            </p:spPr>
+            <p:txBody>
+              <a:bodyPr/>
+              <a:lstStyle/>
+              <a:p>
+                <a:r>
+                  <a:rPr lang="pt-PT">
+                    <a:noFill/>
+                  </a:rPr>
+                  <a:t> </a:t>
+                </a:r>
+              </a:p>
+            </p:txBody>
+          </p:sp>
+        </mc:Fallback>
+      </mc:AlternateContent>
+      <mc:AlternateContent xmlns:mc="http://schemas.openxmlformats.org/markup-compatibility/2006">
+        <mc:Choice xmlns:a14="http://schemas.microsoft.com/office/drawing/2010/main" Requires="a14">
+          <p:sp>
+            <p:nvSpPr>
+              <p:cNvPr id="28" name="Google Shape;745;p39">
+                <a:extLst>
+                  <a:ext uri="{FF2B5EF4-FFF2-40B4-BE49-F238E27FC236}">
+                    <a16:creationId xmlns:a16="http://schemas.microsoft.com/office/drawing/2014/main" id="{60FBFFDA-BB40-B1AD-6C8B-517535A3FEF4}"/>
+                  </a:ext>
+                </a:extLst>
+              </p:cNvPr>
+              <p:cNvSpPr txBox="1">
+                <a:spLocks/>
+              </p:cNvSpPr>
+              <p:nvPr/>
+            </p:nvSpPr>
+            <p:spPr>
+              <a:xfrm>
+                <a:off x="871354" y="1453522"/>
+                <a:ext cx="7750910" cy="559114"/>
+              </a:xfrm>
+              <a:prstGeom prst="rect">
+                <a:avLst/>
+              </a:prstGeom>
+              <a:noFill/>
+              <a:ln>
+                <a:noFill/>
+              </a:ln>
+            </p:spPr>
+            <p:txBody>
+              <a:bodyPr spcFirstLastPara="1" wrap="square" lIns="91425" tIns="91425" rIns="91425" bIns="91425" anchor="ctr" anchorCtr="0">
+                <a:noAutofit/>
+              </a:bodyPr>
+              <a:lstStyle>
+                <a:defPPr marR="0" lvl="0" algn="l" rtl="0">
+                  <a:lnSpc>
+                    <a:spcPct val="100000"/>
+                  </a:lnSpc>
+                  <a:spcBef>
+                    <a:spcPts val="0"/>
+                  </a:spcBef>
+                  <a:spcAft>
+                    <a:spcPts val="0"/>
+                  </a:spcAft>
+                </a:defPPr>
+                <a:lvl1pPr marL="457200" marR="0" lvl="0" indent="-317500" algn="l" rtl="0">
+                  <a:lnSpc>
+                    <a:spcPct val="100000"/>
+                  </a:lnSpc>
+                  <a:spcBef>
+                    <a:spcPts val="0"/>
+                  </a:spcBef>
+                  <a:spcAft>
+                    <a:spcPts val="0"/>
+                  </a:spcAft>
+                  <a:buClr>
+                    <a:schemeClr val="dk1"/>
+                  </a:buClr>
+                  <a:buSzPts val="1400"/>
+                  <a:buFont typeface="Fira Code"/>
+                  <a:buNone/>
+                  <a:defRPr sz="1800" b="0" i="0" u="none" strike="noStrike" cap="none">
+                    <a:solidFill>
+                      <a:schemeClr val="dk1"/>
+                    </a:solidFill>
+                    <a:latin typeface="Fira Code"/>
+                    <a:ea typeface="Fira Code"/>
+                    <a:cs typeface="Fira Code"/>
+                    <a:sym typeface="Fira Code"/>
+                  </a:defRPr>
+                </a:lvl1pPr>
+                <a:lvl2pPr marL="914400" marR="0" lvl="1" indent="-317500" algn="ctr" rtl="0">
+                  <a:lnSpc>
+                    <a:spcPct val="100000"/>
+                  </a:lnSpc>
+                  <a:spcBef>
+                    <a:spcPts val="0"/>
+                  </a:spcBef>
+                  <a:spcAft>
+                    <a:spcPts val="0"/>
+                  </a:spcAft>
+                  <a:buClr>
+                    <a:schemeClr val="dk1"/>
+                  </a:buClr>
+                  <a:buSzPts val="1400"/>
+                  <a:buFont typeface="Fira Code"/>
+                  <a:buNone/>
+                  <a:defRPr sz="1400" b="0" i="0" u="none" strike="noStrike" cap="none">
+                    <a:solidFill>
+                      <a:schemeClr val="dk1"/>
+                    </a:solidFill>
+                    <a:latin typeface="Fira Code"/>
+                    <a:ea typeface="Fira Code"/>
+                    <a:cs typeface="Fira Code"/>
+                    <a:sym typeface="Fira Code"/>
+                  </a:defRPr>
+                </a:lvl2pPr>
+                <a:lvl3pPr marL="1371600" marR="0" lvl="2" indent="-317500" algn="ctr" rtl="0">
+                  <a:lnSpc>
+                    <a:spcPct val="100000"/>
+                  </a:lnSpc>
+                  <a:spcBef>
+                    <a:spcPts val="1600"/>
+                  </a:spcBef>
+                  <a:spcAft>
+                    <a:spcPts val="0"/>
+                  </a:spcAft>
+                  <a:buClr>
+                    <a:schemeClr val="dk1"/>
+                  </a:buClr>
+                  <a:buSzPts val="1400"/>
+                  <a:buFont typeface="Fira Code"/>
+                  <a:buNone/>
+                  <a:defRPr sz="1400" b="0" i="0" u="none" strike="noStrike" cap="none">
+                    <a:solidFill>
+                      <a:schemeClr val="dk1"/>
+                    </a:solidFill>
+                    <a:latin typeface="Fira Code"/>
+                    <a:ea typeface="Fira Code"/>
+                    <a:cs typeface="Fira Code"/>
+                    <a:sym typeface="Fira Code"/>
+                  </a:defRPr>
+                </a:lvl3pPr>
+                <a:lvl4pPr marL="1828800" marR="0" lvl="3" indent="-317500" algn="ctr" rtl="0">
+                  <a:lnSpc>
+                    <a:spcPct val="100000"/>
+                  </a:lnSpc>
+                  <a:spcBef>
+                    <a:spcPts val="1600"/>
+                  </a:spcBef>
+                  <a:spcAft>
+                    <a:spcPts val="0"/>
+                  </a:spcAft>
+                  <a:buClr>
+                    <a:schemeClr val="dk1"/>
+                  </a:buClr>
+                  <a:buSzPts val="1400"/>
+                  <a:buFont typeface="Fira Code"/>
+                  <a:buNone/>
+                  <a:defRPr sz="1400" b="0" i="0" u="none" strike="noStrike" cap="none">
+                    <a:solidFill>
+                      <a:schemeClr val="dk1"/>
+                    </a:solidFill>
+                    <a:latin typeface="Fira Code"/>
+                    <a:ea typeface="Fira Code"/>
+                    <a:cs typeface="Fira Code"/>
+                    <a:sym typeface="Fira Code"/>
+                  </a:defRPr>
+                </a:lvl4pPr>
+                <a:lvl5pPr marL="2286000" marR="0" lvl="4" indent="-317500" algn="ctr" rtl="0">
+                  <a:lnSpc>
+                    <a:spcPct val="100000"/>
+                  </a:lnSpc>
+                  <a:spcBef>
+                    <a:spcPts val="1600"/>
+                  </a:spcBef>
+                  <a:spcAft>
+                    <a:spcPts val="0"/>
+                  </a:spcAft>
+                  <a:buClr>
+                    <a:schemeClr val="dk1"/>
+                  </a:buClr>
+                  <a:buSzPts val="1400"/>
+                  <a:buFont typeface="Fira Code"/>
+                  <a:buNone/>
+                  <a:defRPr sz="1400" b="0" i="0" u="none" strike="noStrike" cap="none">
+                    <a:solidFill>
+                      <a:schemeClr val="dk1"/>
+                    </a:solidFill>
+                    <a:latin typeface="Fira Code"/>
+                    <a:ea typeface="Fira Code"/>
+                    <a:cs typeface="Fira Code"/>
+                    <a:sym typeface="Fira Code"/>
+                  </a:defRPr>
+                </a:lvl5pPr>
+                <a:lvl6pPr marL="2743200" marR="0" lvl="5" indent="-317500" algn="ctr" rtl="0">
+                  <a:lnSpc>
+                    <a:spcPct val="100000"/>
+                  </a:lnSpc>
+                  <a:spcBef>
+                    <a:spcPts val="1600"/>
+                  </a:spcBef>
+                  <a:spcAft>
+                    <a:spcPts val="0"/>
+                  </a:spcAft>
+                  <a:buClr>
+                    <a:schemeClr val="dk1"/>
+                  </a:buClr>
+                  <a:buSzPts val="1400"/>
+                  <a:buFont typeface="Fira Code"/>
+                  <a:buNone/>
+                  <a:defRPr sz="1400" b="0" i="0" u="none" strike="noStrike" cap="none">
+                    <a:solidFill>
+                      <a:schemeClr val="dk1"/>
+                    </a:solidFill>
+                    <a:latin typeface="Fira Code"/>
+                    <a:ea typeface="Fira Code"/>
+                    <a:cs typeface="Fira Code"/>
+                    <a:sym typeface="Fira Code"/>
+                  </a:defRPr>
+                </a:lvl6pPr>
+                <a:lvl7pPr marL="3200400" marR="0" lvl="6" indent="-317500" algn="ctr" rtl="0">
+                  <a:lnSpc>
+                    <a:spcPct val="100000"/>
+                  </a:lnSpc>
+                  <a:spcBef>
+                    <a:spcPts val="1600"/>
+                  </a:spcBef>
+                  <a:spcAft>
+                    <a:spcPts val="0"/>
+                  </a:spcAft>
+                  <a:buClr>
+                    <a:schemeClr val="dk1"/>
+                  </a:buClr>
+                  <a:buSzPts val="1400"/>
+                  <a:buFont typeface="Fira Code"/>
+                  <a:buNone/>
+                  <a:defRPr sz="1400" b="0" i="0" u="none" strike="noStrike" cap="none">
+                    <a:solidFill>
+                      <a:schemeClr val="dk1"/>
+                    </a:solidFill>
+                    <a:latin typeface="Fira Code"/>
+                    <a:ea typeface="Fira Code"/>
+                    <a:cs typeface="Fira Code"/>
+                    <a:sym typeface="Fira Code"/>
+                  </a:defRPr>
+                </a:lvl7pPr>
+                <a:lvl8pPr marL="3657600" marR="0" lvl="7" indent="-317500" algn="ctr" rtl="0">
+                  <a:lnSpc>
+                    <a:spcPct val="100000"/>
+                  </a:lnSpc>
+                  <a:spcBef>
+                    <a:spcPts val="1600"/>
+                  </a:spcBef>
+                  <a:spcAft>
+                    <a:spcPts val="0"/>
+                  </a:spcAft>
+                  <a:buClr>
+                    <a:schemeClr val="dk1"/>
+                  </a:buClr>
+                  <a:buSzPts val="1400"/>
+                  <a:buFont typeface="Fira Code"/>
+                  <a:buNone/>
+                  <a:defRPr sz="1400" b="0" i="0" u="none" strike="noStrike" cap="none">
+                    <a:solidFill>
+                      <a:schemeClr val="dk1"/>
+                    </a:solidFill>
+                    <a:latin typeface="Fira Code"/>
+                    <a:ea typeface="Fira Code"/>
+                    <a:cs typeface="Fira Code"/>
+                    <a:sym typeface="Fira Code"/>
+                  </a:defRPr>
+                </a:lvl8pPr>
+                <a:lvl9pPr marL="4114800" marR="0" lvl="8" indent="-317500" algn="ctr" rtl="0">
+                  <a:lnSpc>
+                    <a:spcPct val="100000"/>
+                  </a:lnSpc>
+                  <a:spcBef>
+                    <a:spcPts val="1600"/>
+                  </a:spcBef>
+                  <a:spcAft>
+                    <a:spcPts val="1600"/>
+                  </a:spcAft>
+                  <a:buClr>
+                    <a:schemeClr val="dk1"/>
+                  </a:buClr>
+                  <a:buSzPts val="1400"/>
+                  <a:buFont typeface="Fira Code"/>
+                  <a:buNone/>
+                  <a:defRPr sz="1400" b="0" i="0" u="none" strike="noStrike" cap="none">
+                    <a:solidFill>
+                      <a:schemeClr val="dk1"/>
+                    </a:solidFill>
+                    <a:latin typeface="Fira Code"/>
+                    <a:ea typeface="Fira Code"/>
+                    <a:cs typeface="Fira Code"/>
+                    <a:sym typeface="Fira Code"/>
+                  </a:defRPr>
+                </a:lvl9pPr>
+              </a:lstStyle>
+              <a:p>
+                <a:pPr marL="0" indent="0"/>
+                <a14:m>
+                  <m:oMathPara xmlns:m="http://schemas.openxmlformats.org/officeDocument/2006/math">
+                    <m:oMathParaPr>
+                      <m:jc m:val="centerGroup"/>
+                    </m:oMathParaPr>
+                    <m:oMath xmlns:m="http://schemas.openxmlformats.org/officeDocument/2006/math">
+                      <m:r>
+                        <a:rPr lang="pt-PT" sz="1400" b="0" i="1" smtClean="0">
+                          <a:latin typeface="Cambria Math" panose="02040503050406030204" pitchFamily="18" charset="0"/>
+                        </a:rPr>
+                        <m:t>𝑃</m:t>
+                      </m:r>
+                      <m:d>
+                        <m:dPr>
+                          <m:ctrlPr>
+                            <a:rPr lang="pt-PT" sz="1400" b="0" i="1" smtClean="0">
+                              <a:latin typeface="Cambria Math" panose="02040503050406030204" pitchFamily="18" charset="0"/>
+                            </a:rPr>
+                          </m:ctrlPr>
+                        </m:dPr>
+                        <m:e>
+                          <m:r>
+                            <a:rPr lang="pt-PT" sz="1400" b="0" i="1" smtClean="0">
+                              <a:latin typeface="Cambria Math" panose="02040503050406030204" pitchFamily="18" charset="0"/>
+                            </a:rPr>
+                            <m:t>𝑥</m:t>
+                          </m:r>
+                        </m:e>
+                      </m:d>
+                      <m:r>
+                        <a:rPr lang="pt-PT" sz="1400" b="0" i="1" smtClean="0">
+                          <a:latin typeface="Cambria Math" panose="02040503050406030204" pitchFamily="18" charset="0"/>
+                        </a:rPr>
+                        <m:t>=</m:t>
+                      </m:r>
+                      <m:sSub>
+                        <m:sSubPr>
+                          <m:ctrlPr>
+                            <a:rPr lang="pt-PT" sz="1400" i="1"/>
+                          </m:ctrlPr>
+                        </m:sSubPr>
+                        <m:e>
+                          <m:r>
+                            <a:rPr lang="pt-PT" sz="1400" i="1"/>
+                            <m:t>𝐶</m:t>
+                          </m:r>
+                        </m:e>
+                        <m:sub>
+                          <m:r>
+                            <a:rPr lang="pt-PT" sz="1400" i="1"/>
+                            <m:t>0</m:t>
+                          </m:r>
+                        </m:sub>
+                      </m:sSub>
+                      <m:r>
+                        <a:rPr lang="pt-PT" sz="1400" i="1"/>
+                        <m:t>+</m:t>
+                      </m:r>
+                      <m:sSub>
+                        <m:sSubPr>
+                          <m:ctrlPr>
+                            <a:rPr lang="pt-PT" sz="1400" i="1"/>
+                          </m:ctrlPr>
+                        </m:sSubPr>
+                        <m:e>
+                          <m:r>
+                            <a:rPr lang="pt-PT" sz="1400" i="1"/>
+                            <m:t>𝐶</m:t>
+                          </m:r>
+                        </m:e>
+                        <m:sub>
+                          <m:r>
+                            <a:rPr lang="pt-PT" sz="1400" i="1"/>
+                            <m:t>1</m:t>
+                          </m:r>
+                        </m:sub>
+                      </m:sSub>
+                      <m:d>
+                        <m:dPr>
+                          <m:ctrlPr>
+                            <a:rPr lang="pt-PT" sz="1400" i="1"/>
+                          </m:ctrlPr>
+                        </m:dPr>
+                        <m:e>
+                          <m:r>
+                            <a:rPr lang="pt-PT" sz="1400" i="1"/>
+                            <m:t>𝑥</m:t>
+                          </m:r>
+                          <m:r>
+                            <a:rPr lang="pt-PT" sz="1400" i="1"/>
+                            <m:t>−</m:t>
+                          </m:r>
+                          <m:sSub>
+                            <m:sSubPr>
+                              <m:ctrlPr>
+                                <a:rPr lang="pt-PT" sz="1400" i="1"/>
+                              </m:ctrlPr>
+                            </m:sSubPr>
+                            <m:e>
+                              <m:r>
+                                <a:rPr lang="pt-PT" sz="1400" i="1"/>
+                                <m:t>𝑥</m:t>
+                              </m:r>
+                            </m:e>
+                            <m:sub>
+                              <m:r>
+                                <a:rPr lang="pt-PT" sz="1400" i="1"/>
+                                <m:t>0</m:t>
+                              </m:r>
+                            </m:sub>
+                          </m:sSub>
+                        </m:e>
+                      </m:d>
+                      <m:r>
+                        <a:rPr lang="pt-PT" sz="1400" i="1"/>
+                        <m:t>+</m:t>
+                      </m:r>
+                      <m:sSub>
+                        <m:sSubPr>
+                          <m:ctrlPr>
+                            <a:rPr lang="pt-PT" sz="1400" i="1"/>
+                          </m:ctrlPr>
+                        </m:sSubPr>
+                        <m:e>
+                          <m:r>
+                            <a:rPr lang="pt-PT" sz="1400" i="1"/>
+                            <m:t>𝐶</m:t>
+                          </m:r>
+                        </m:e>
+                        <m:sub>
+                          <m:r>
+                            <a:rPr lang="pt-PT" sz="1400" i="1"/>
+                            <m:t>2</m:t>
+                          </m:r>
+                        </m:sub>
+                      </m:sSub>
+                      <m:d>
+                        <m:dPr>
+                          <m:ctrlPr>
+                            <a:rPr lang="pt-PT" sz="1400" i="1"/>
+                          </m:ctrlPr>
+                        </m:dPr>
+                        <m:e>
+                          <m:r>
+                            <a:rPr lang="pt-PT" sz="1400" i="1"/>
+                            <m:t>𝑥</m:t>
+                          </m:r>
+                          <m:r>
+                            <a:rPr lang="pt-PT" sz="1400" i="1"/>
+                            <m:t>−</m:t>
+                          </m:r>
+                          <m:sSub>
+                            <m:sSubPr>
+                              <m:ctrlPr>
+                                <a:rPr lang="pt-PT" sz="1400" i="1"/>
+                              </m:ctrlPr>
+                            </m:sSubPr>
+                            <m:e>
+                              <m:r>
+                                <a:rPr lang="pt-PT" sz="1400" i="1"/>
+                                <m:t>𝑥</m:t>
+                              </m:r>
+                            </m:e>
+                            <m:sub>
+                              <m:r>
+                                <a:rPr lang="pt-PT" sz="1400" i="1"/>
+                                <m:t>0</m:t>
+                              </m:r>
+                            </m:sub>
+                          </m:sSub>
+                        </m:e>
+                      </m:d>
+                      <m:d>
+                        <m:dPr>
+                          <m:ctrlPr>
+                            <a:rPr lang="pt-PT" sz="1400" i="1"/>
+                          </m:ctrlPr>
+                        </m:dPr>
+                        <m:e>
+                          <m:r>
+                            <a:rPr lang="pt-PT" sz="1400" i="1"/>
+                            <m:t>𝑥</m:t>
+                          </m:r>
+                          <m:r>
+                            <a:rPr lang="pt-PT" sz="1400" i="1"/>
+                            <m:t>−</m:t>
+                          </m:r>
+                          <m:sSub>
+                            <m:sSubPr>
+                              <m:ctrlPr>
+                                <a:rPr lang="pt-PT" sz="1400" i="1"/>
+                              </m:ctrlPr>
+                            </m:sSubPr>
+                            <m:e>
+                              <m:r>
+                                <a:rPr lang="pt-PT" sz="1400" i="1"/>
+                                <m:t>𝑥</m:t>
+                              </m:r>
+                            </m:e>
+                            <m:sub>
+                              <m:r>
+                                <a:rPr lang="pt-PT" sz="1400" i="1"/>
+                                <m:t>1</m:t>
+                              </m:r>
+                            </m:sub>
+                          </m:sSub>
+                        </m:e>
+                      </m:d>
+                      <m:r>
+                        <a:rPr lang="pt-PT" sz="1400" i="1"/>
+                        <m:t>+…+</m:t>
+                      </m:r>
+                      <m:sSub>
+                        <m:sSubPr>
+                          <m:ctrlPr>
+                            <a:rPr lang="pt-PT" sz="1400" i="1"/>
+                          </m:ctrlPr>
+                        </m:sSubPr>
+                        <m:e>
+                          <m:r>
+                            <a:rPr lang="pt-PT" sz="1400" i="1"/>
+                            <m:t>𝐶</m:t>
+                          </m:r>
+                        </m:e>
+                        <m:sub>
+                          <m:r>
+                            <a:rPr lang="pt-PT" sz="1400" i="1"/>
+                            <m:t>𝑛</m:t>
+                          </m:r>
+                        </m:sub>
+                      </m:sSub>
+                      <m:r>
+                        <a:rPr lang="pt-PT" sz="1400" i="1"/>
+                        <m:t>(</m:t>
+                      </m:r>
+                      <m:r>
+                        <a:rPr lang="pt-PT" sz="1400" i="1"/>
+                        <m:t>𝑥</m:t>
+                      </m:r>
+                      <m:r>
+                        <a:rPr lang="pt-PT" sz="1400" i="1"/>
+                        <m:t>−</m:t>
+                      </m:r>
+                      <m:sSub>
+                        <m:sSubPr>
+                          <m:ctrlPr>
+                            <a:rPr lang="pt-PT" sz="1400" i="1"/>
+                          </m:ctrlPr>
+                        </m:sSubPr>
+                        <m:e>
+                          <m:r>
+                            <a:rPr lang="pt-PT" sz="1400" i="1"/>
+                            <m:t>𝑥</m:t>
+                          </m:r>
+                        </m:e>
+                        <m:sub>
+                          <m:r>
+                            <a:rPr lang="pt-PT" sz="1400" i="1"/>
+                            <m:t>0</m:t>
+                          </m:r>
+                        </m:sub>
+                      </m:sSub>
+                      <m:r>
+                        <a:rPr lang="pt-PT" sz="1400" i="1"/>
+                        <m:t>)(</m:t>
+                      </m:r>
+                      <m:r>
+                        <a:rPr lang="pt-PT" sz="1400" i="1"/>
+                        <m:t>𝑥</m:t>
+                      </m:r>
+                      <m:r>
+                        <a:rPr lang="pt-PT" sz="1400" i="1"/>
+                        <m:t>−</m:t>
+                      </m:r>
+                      <m:sSub>
+                        <m:sSubPr>
+                          <m:ctrlPr>
+                            <a:rPr lang="pt-PT" sz="1400" i="1"/>
+                          </m:ctrlPr>
+                        </m:sSubPr>
+                        <m:e>
+                          <m:r>
+                            <a:rPr lang="pt-PT" sz="1400" i="1"/>
+                            <m:t>𝑥</m:t>
+                          </m:r>
+                        </m:e>
+                        <m:sub>
+                          <m:r>
+                            <a:rPr lang="pt-PT" sz="1400" i="1"/>
+                            <m:t>1</m:t>
+                          </m:r>
+                        </m:sub>
+                      </m:sSub>
+                      <m:r>
+                        <a:rPr lang="pt-PT" sz="1400" i="1"/>
+                        <m:t>)(</m:t>
+                      </m:r>
+                      <m:r>
+                        <a:rPr lang="pt-PT" sz="1400" i="1"/>
+                        <m:t>𝑥</m:t>
+                      </m:r>
+                      <m:r>
+                        <a:rPr lang="pt-PT" sz="1400" i="1"/>
+                        <m:t>−</m:t>
+                      </m:r>
+                      <m:sSub>
+                        <m:sSubPr>
+                          <m:ctrlPr>
+                            <a:rPr lang="pt-PT" sz="1400" i="1"/>
+                          </m:ctrlPr>
+                        </m:sSubPr>
+                        <m:e>
+                          <m:r>
+                            <a:rPr lang="pt-PT" sz="1400" i="1"/>
+                            <m:t>𝑥</m:t>
+                          </m:r>
+                        </m:e>
+                        <m:sub>
+                          <m:r>
+                            <a:rPr lang="pt-PT" sz="1400" i="1"/>
+                            <m:t>𝑛</m:t>
+                          </m:r>
+                          <m:r>
+                            <a:rPr lang="pt-PT" sz="1400" i="1"/>
+                            <m:t>−1</m:t>
+                          </m:r>
+                        </m:sub>
+                      </m:sSub>
+                      <m:r>
+                        <a:rPr lang="pt-PT" sz="1400" i="1"/>
+                        <m:t>)</m:t>
+                      </m:r>
+                    </m:oMath>
+                  </m:oMathPara>
+                </a14:m>
+                <a:endParaRPr lang="pt-PT" sz="2400" dirty="0"/>
+              </a:p>
+            </p:txBody>
+          </p:sp>
+        </mc:Choice>
+        <mc:Fallback>
+          <p:sp>
+            <p:nvSpPr>
+              <p:cNvPr id="28" name="Google Shape;745;p39">
+                <a:extLst>
+                  <a:ext uri="{FF2B5EF4-FFF2-40B4-BE49-F238E27FC236}">
+                    <a16:creationId xmlns:a16="http://schemas.microsoft.com/office/drawing/2014/main" id="{60FBFFDA-BB40-B1AD-6C8B-517535A3FEF4}"/>
+                  </a:ext>
+                </a:extLst>
+              </p:cNvPr>
+              <p:cNvSpPr txBox="1">
+                <a:spLocks noRot="1" noChangeAspect="1" noMove="1" noResize="1" noEditPoints="1" noAdjustHandles="1" noChangeArrowheads="1" noChangeShapeType="1" noTextEdit="1"/>
+              </p:cNvSpPr>
+              <p:nvPr/>
+            </p:nvSpPr>
+            <p:spPr>
+              <a:xfrm>
+                <a:off x="871354" y="1453522"/>
+                <a:ext cx="7750910" cy="559114"/>
+              </a:xfrm>
+              <a:prstGeom prst="rect">
+                <a:avLst/>
+              </a:prstGeom>
+              <a:blipFill>
+                <a:blip r:embed="rId4"/>
+                <a:stretch>
+                  <a:fillRect/>
+                </a:stretch>
+              </a:blipFill>
+              <a:ln>
+                <a:noFill/>
+              </a:ln>
+            </p:spPr>
+            <p:txBody>
+              <a:bodyPr/>
+              <a:lstStyle/>
+              <a:p>
+                <a:r>
+                  <a:rPr lang="pt-PT">
+                    <a:noFill/>
+                  </a:rPr>
+                  <a:t> </a:t>
+                </a:r>
+              </a:p>
+            </p:txBody>
+          </p:sp>
+        </mc:Fallback>
+      </mc:AlternateContent>
     </p:spTree>
     <p:extLst>
       <p:ext uri="{BB962C8B-B14F-4D97-AF65-F5344CB8AC3E}">
@@ -40129,7 +41214,7 @@
             <a:pPr marL="0" indent="0" algn="ctr"/>
             <a:r>
               <a:rPr lang="en" dirty="0"/>
-              <a:t>É um polinômio interpolador para um dado conjunto de pontos. Os coeficiente do polinômio são calculados através de diferenças divididas</a:t>
+              <a:t>Dados os pontos, com varias iterações vamos obter um novo polinômio que coincide com os pontos informados</a:t>
             </a:r>
           </a:p>
         </p:txBody>
